--- a/Introducing OpenStack.pptx
+++ b/Introducing OpenStack.pptx
@@ -6774,8 +6774,8 @@
         </p:nvSpPr>
         <p:spPr>
           <a:xfrm>
-            <a:off x="828675" y="2341245"/>
-            <a:ext cx="10515600" cy="3570605"/>
+            <a:off x="2204085" y="2341880"/>
+            <a:ext cx="9140190" cy="3570605"/>
           </a:xfrm>
         </p:spPr>
         <p:txBody>
